--- a/Presentation/Ultimate Tic Tac Toe.pptx
+++ b/Presentation/Ultimate Tic Tac Toe.pptx
@@ -113,6 +113,11 @@
       </a:defRPr>
     </a:lvl9pPr>
   </p:defaultTextStyle>
+  <p:extLst>
+    <p:ext uri="{EFAFB233-063F-42B5-8137-9DF3F51BA10A}">
+      <p15:sldGuideLst xmlns:p15="http://schemas.microsoft.com/office/powerpoint/2012/main"/>
+    </p:ext>
+  </p:extLst>
 </p:presentation>
 </file>
 

--- a/Presentation/Ultimate Tic Tac Toe.pptx
+++ b/Presentation/Ultimate Tic Tac Toe.pptx
@@ -291,7 +291,7 @@
           <a:p>
             <a:fld id="{48A87A34-81AB-432B-8DAE-1953F412C126}" type="datetimeFigureOut">
               <a:rPr lang="en-US" dirty="0"/>
-              <a:t>4/18/2017</a:t>
+              <a:t>4/19/2017</a:t>
             </a:fld>
             <a:endParaRPr lang="en-US" dirty="0"/>
           </a:p>
@@ -553,7 +553,7 @@
           <a:p>
             <a:fld id="{48A87A34-81AB-432B-8DAE-1953F412C126}" type="datetimeFigureOut">
               <a:rPr lang="en-US" dirty="0"/>
-              <a:t>4/18/2017</a:t>
+              <a:t>4/19/2017</a:t>
             </a:fld>
             <a:endParaRPr lang="en-US" dirty="0"/>
           </a:p>
@@ -780,7 +780,7 @@
             <a:fld id="{48A87A34-81AB-432B-8DAE-1953F412C126}" type="datetimeFigureOut">
               <a:rPr lang="en-US" dirty="0"/>
               <a:pPr/>
-              <a:t>4/18/2017</a:t>
+              <a:t>4/19/2017</a:t>
             </a:fld>
             <a:endParaRPr lang="en-US" dirty="0"/>
           </a:p>
@@ -1086,7 +1086,7 @@
             <a:fld id="{48A87A34-81AB-432B-8DAE-1953F412C126}" type="datetimeFigureOut">
               <a:rPr lang="en-US" dirty="0"/>
               <a:pPr/>
-              <a:t>4/18/2017</a:t>
+              <a:t>4/19/2017</a:t>
             </a:fld>
             <a:endParaRPr lang="en-US" dirty="0"/>
           </a:p>
@@ -1555,7 +1555,7 @@
             <a:fld id="{48A87A34-81AB-432B-8DAE-1953F412C126}" type="datetimeFigureOut">
               <a:rPr lang="en-US" dirty="0"/>
               <a:pPr/>
-              <a:t>4/18/2017</a:t>
+              <a:t>4/19/2017</a:t>
             </a:fld>
             <a:endParaRPr lang="en-US" dirty="0"/>
           </a:p>
@@ -2097,7 +2097,7 @@
           <a:p>
             <a:fld id="{48A87A34-81AB-432B-8DAE-1953F412C126}" type="datetimeFigureOut">
               <a:rPr lang="en-US" dirty="0"/>
-              <a:t>4/18/2017</a:t>
+              <a:t>4/19/2017</a:t>
             </a:fld>
             <a:endParaRPr lang="en-US" dirty="0"/>
           </a:p>
@@ -2866,7 +2866,7 @@
           <a:p>
             <a:fld id="{48A87A34-81AB-432B-8DAE-1953F412C126}" type="datetimeFigureOut">
               <a:rPr lang="en-US" dirty="0"/>
-              <a:t>4/18/2017</a:t>
+              <a:t>4/19/2017</a:t>
             </a:fld>
             <a:endParaRPr lang="en-US" dirty="0"/>
           </a:p>
@@ -3036,7 +3036,7 @@
           <a:p>
             <a:fld id="{48A87A34-81AB-432B-8DAE-1953F412C126}" type="datetimeFigureOut">
               <a:rPr lang="en-US" dirty="0"/>
-              <a:t>4/18/2017</a:t>
+              <a:t>4/19/2017</a:t>
             </a:fld>
             <a:endParaRPr lang="en-US" dirty="0"/>
           </a:p>
@@ -3255,7 +3255,7 @@
             <a:fld id="{48A87A34-81AB-432B-8DAE-1953F412C126}" type="datetimeFigureOut">
               <a:rPr lang="en-US" dirty="0"/>
               <a:pPr/>
-              <a:t>4/18/2017</a:t>
+              <a:t>4/19/2017</a:t>
             </a:fld>
             <a:endParaRPr lang="en-US" dirty="0"/>
           </a:p>
@@ -3430,7 +3430,7 @@
           <a:p>
             <a:fld id="{48A87A34-81AB-432B-8DAE-1953F412C126}" type="datetimeFigureOut">
               <a:rPr lang="en-US" dirty="0"/>
-              <a:t>4/18/2017</a:t>
+              <a:t>4/19/2017</a:t>
             </a:fld>
             <a:endParaRPr lang="en-US" dirty="0"/>
           </a:p>
@@ -3715,7 +3715,7 @@
             <a:fld id="{48A87A34-81AB-432B-8DAE-1953F412C126}" type="datetimeFigureOut">
               <a:rPr lang="en-US" dirty="0"/>
               <a:pPr/>
-              <a:t>4/18/2017</a:t>
+              <a:t>4/19/2017</a:t>
             </a:fld>
             <a:endParaRPr lang="en-US" dirty="0"/>
           </a:p>
@@ -3952,7 +3952,7 @@
           <a:p>
             <a:fld id="{48A87A34-81AB-432B-8DAE-1953F412C126}" type="datetimeFigureOut">
               <a:rPr lang="en-US" dirty="0"/>
-              <a:t>4/18/2017</a:t>
+              <a:t>4/19/2017</a:t>
             </a:fld>
             <a:endParaRPr lang="en-US" dirty="0"/>
           </a:p>
@@ -4326,7 +4326,7 @@
           <a:p>
             <a:fld id="{48A87A34-81AB-432B-8DAE-1953F412C126}" type="datetimeFigureOut">
               <a:rPr lang="en-US" dirty="0"/>
-              <a:t>4/18/2017</a:t>
+              <a:t>4/19/2017</a:t>
             </a:fld>
             <a:endParaRPr lang="en-US" dirty="0"/>
           </a:p>
@@ -4439,7 +4439,7 @@
           <a:p>
             <a:fld id="{48A87A34-81AB-432B-8DAE-1953F412C126}" type="datetimeFigureOut">
               <a:rPr lang="en-US" dirty="0"/>
-              <a:t>4/18/2017</a:t>
+              <a:t>4/19/2017</a:t>
             </a:fld>
             <a:endParaRPr lang="en-US" dirty="0"/>
           </a:p>
@@ -4529,7 +4529,7 @@
           <a:p>
             <a:fld id="{48A87A34-81AB-432B-8DAE-1953F412C126}" type="datetimeFigureOut">
               <a:rPr lang="en-US" dirty="0"/>
-              <a:t>4/18/2017</a:t>
+              <a:t>4/19/2017</a:t>
             </a:fld>
             <a:endParaRPr lang="en-US" dirty="0"/>
           </a:p>
@@ -4773,7 +4773,7 @@
           <a:p>
             <a:fld id="{48A87A34-81AB-432B-8DAE-1953F412C126}" type="datetimeFigureOut">
               <a:rPr lang="en-US" dirty="0"/>
-              <a:t>4/18/2017</a:t>
+              <a:t>4/19/2017</a:t>
             </a:fld>
             <a:endParaRPr lang="en-US" dirty="0"/>
           </a:p>
@@ -5025,7 +5025,7 @@
           <a:p>
             <a:fld id="{48A87A34-81AB-432B-8DAE-1953F412C126}" type="datetimeFigureOut">
               <a:rPr lang="en-US" dirty="0"/>
-              <a:t>4/18/2017</a:t>
+              <a:t>4/19/2017</a:t>
             </a:fld>
             <a:endParaRPr lang="en-US" dirty="0"/>
           </a:p>
@@ -5264,7 +5264,7 @@
             <a:fld id="{48A87A34-81AB-432B-8DAE-1953F412C126}" type="datetimeFigureOut">
               <a:rPr lang="en-US" dirty="0"/>
               <a:pPr/>
-              <a:t>4/18/2017</a:t>
+              <a:t>4/19/2017</a:t>
             </a:fld>
             <a:endParaRPr lang="en-US" dirty="0"/>
           </a:p>
@@ -6468,21 +6468,261 @@
           </a:p>
         </p:txBody>
       </p:sp>
-      <p:sp>
-        <p:nvSpPr>
-          <p:cNvPr id="3" name="Content Placeholder 2"/>
-          <p:cNvSpPr>
-            <a:spLocks noGrp="1"/>
-          </p:cNvSpPr>
+      <p:pic>
+        <p:nvPicPr>
+          <p:cNvPr id="5" name="Content Placeholder 4"/>
+          <p:cNvPicPr>
+            <a:picLocks noGrp="1" noChangeAspect="1"/>
+          </p:cNvPicPr>
           <p:nvPr>
             <p:ph idx="1"/>
           </p:nvPr>
-        </p:nvSpPr>
-        <p:spPr/>
-        <p:txBody>
-          <a:bodyPr/>
-          <a:lstStyle/>
-          <a:p>
+        </p:nvPicPr>
+        <p:blipFill>
+          <a:blip r:embed="rId2"/>
+          <a:stretch>
+            <a:fillRect/>
+          </a:stretch>
+        </p:blipFill>
+        <p:spPr>
+          <a:xfrm>
+            <a:off x="4077691" y="2368062"/>
+            <a:ext cx="3751868" cy="3238866"/>
+          </a:xfrm>
+        </p:spPr>
+      </p:pic>
+      <p:pic>
+        <p:nvPicPr>
+          <p:cNvPr id="7" name="Picture 6"/>
+          <p:cNvPicPr>
+            <a:picLocks noChangeAspect="1"/>
+          </p:cNvPicPr>
+          <p:nvPr/>
+        </p:nvPicPr>
+        <p:blipFill>
+          <a:blip r:embed="rId3"/>
+          <a:stretch>
+            <a:fillRect/>
+          </a:stretch>
+        </p:blipFill>
+        <p:spPr>
+          <a:xfrm>
+            <a:off x="8093120" y="2368062"/>
+            <a:ext cx="3743851" cy="3238866"/>
+          </a:xfrm>
+          <a:prstGeom prst="rect">
+            <a:avLst/>
+          </a:prstGeom>
+        </p:spPr>
+      </p:pic>
+      <p:sp>
+        <p:nvSpPr>
+          <p:cNvPr id="8" name="Content Placeholder 2"/>
+          <p:cNvSpPr txBox="1">
+            <a:spLocks/>
+          </p:cNvSpPr>
+          <p:nvPr/>
+        </p:nvSpPr>
+        <p:spPr>
+          <a:xfrm>
+            <a:off x="414438" y="2711057"/>
+            <a:ext cx="3399692" cy="4024125"/>
+          </a:xfrm>
+          <a:prstGeom prst="rect">
+            <a:avLst/>
+          </a:prstGeom>
+        </p:spPr>
+        <p:txBody>
+          <a:bodyPr vert="horz" lIns="91440" tIns="45720" rIns="91440" bIns="45720" rtlCol="0">
+            <a:normAutofit/>
+          </a:bodyPr>
+          <a:lstStyle>
+            <a:lvl1pPr marL="228600" indent="-228600" algn="l" defTabSz="914400" rtl="0" eaLnBrk="1" latinLnBrk="0" hangingPunct="1">
+              <a:lnSpc>
+                <a:spcPct val="90000"/>
+              </a:lnSpc>
+              <a:spcBef>
+                <a:spcPts val="1000"/>
+              </a:spcBef>
+              <a:buFont typeface="Arial" panose="020B0604020202020204" pitchFamily="34" charset="0"/>
+              <a:buChar char="•"/>
+              <a:defRPr sz="2200" kern="1200">
+                <a:solidFill>
+                  <a:schemeClr val="tx1"/>
+                </a:solidFill>
+                <a:latin typeface="+mn-lt"/>
+                <a:ea typeface="+mn-ea"/>
+                <a:cs typeface="+mn-cs"/>
+              </a:defRPr>
+            </a:lvl1pPr>
+            <a:lvl2pPr marL="685800" indent="-228600" algn="l" defTabSz="914400" rtl="0" eaLnBrk="1" latinLnBrk="0" hangingPunct="1">
+              <a:lnSpc>
+                <a:spcPct val="90000"/>
+              </a:lnSpc>
+              <a:spcBef>
+                <a:spcPts val="500"/>
+              </a:spcBef>
+              <a:buFont typeface="Arial" panose="020B0604020202020204" pitchFamily="34" charset="0"/>
+              <a:buChar char="•"/>
+              <a:defRPr sz="2000" kern="1200">
+                <a:solidFill>
+                  <a:schemeClr val="tx1"/>
+                </a:solidFill>
+                <a:latin typeface="+mn-lt"/>
+                <a:ea typeface="+mn-ea"/>
+                <a:cs typeface="+mn-cs"/>
+              </a:defRPr>
+            </a:lvl2pPr>
+            <a:lvl3pPr marL="1143000" indent="-228600" algn="l" defTabSz="914400" rtl="0" eaLnBrk="1" latinLnBrk="0" hangingPunct="1">
+              <a:lnSpc>
+                <a:spcPct val="90000"/>
+              </a:lnSpc>
+              <a:spcBef>
+                <a:spcPts val="500"/>
+              </a:spcBef>
+              <a:buFont typeface="Arial" panose="020B0604020202020204" pitchFamily="34" charset="0"/>
+              <a:buChar char="•"/>
+              <a:defRPr sz="1800" kern="1200">
+                <a:solidFill>
+                  <a:schemeClr val="tx1"/>
+                </a:solidFill>
+                <a:latin typeface="+mn-lt"/>
+                <a:ea typeface="+mn-ea"/>
+                <a:cs typeface="+mn-cs"/>
+              </a:defRPr>
+            </a:lvl3pPr>
+            <a:lvl4pPr marL="1600200" indent="-228600" algn="l" defTabSz="914400" rtl="0" eaLnBrk="1" latinLnBrk="0" hangingPunct="1">
+              <a:lnSpc>
+                <a:spcPct val="90000"/>
+              </a:lnSpc>
+              <a:spcBef>
+                <a:spcPts val="500"/>
+              </a:spcBef>
+              <a:buFont typeface="Arial" panose="020B0604020202020204" pitchFamily="34" charset="0"/>
+              <a:buChar char="•"/>
+              <a:defRPr sz="1600" kern="1200">
+                <a:solidFill>
+                  <a:schemeClr val="tx1"/>
+                </a:solidFill>
+                <a:latin typeface="+mn-lt"/>
+                <a:ea typeface="+mn-ea"/>
+                <a:cs typeface="+mn-cs"/>
+              </a:defRPr>
+            </a:lvl4pPr>
+            <a:lvl5pPr marL="2057400" indent="-228600" algn="l" defTabSz="914400" rtl="0" eaLnBrk="1" latinLnBrk="0" hangingPunct="1">
+              <a:lnSpc>
+                <a:spcPct val="90000"/>
+              </a:lnSpc>
+              <a:spcBef>
+                <a:spcPts val="500"/>
+              </a:spcBef>
+              <a:buFont typeface="Arial" panose="020B0604020202020204" pitchFamily="34" charset="0"/>
+              <a:buChar char="•"/>
+              <a:defRPr sz="1600" kern="1200">
+                <a:solidFill>
+                  <a:schemeClr val="tx1"/>
+                </a:solidFill>
+                <a:latin typeface="+mn-lt"/>
+                <a:ea typeface="+mn-ea"/>
+                <a:cs typeface="+mn-cs"/>
+              </a:defRPr>
+            </a:lvl5pPr>
+            <a:lvl6pPr marL="2514600" indent="-228600" algn="l" defTabSz="914400" rtl="0" eaLnBrk="1" latinLnBrk="0" hangingPunct="1">
+              <a:lnSpc>
+                <a:spcPct val="90000"/>
+              </a:lnSpc>
+              <a:spcBef>
+                <a:spcPts val="500"/>
+              </a:spcBef>
+              <a:buFont typeface="Arial" panose="020B0604020202020204" pitchFamily="34" charset="0"/>
+              <a:buChar char="•"/>
+              <a:defRPr sz="1600" kern="1200">
+                <a:solidFill>
+                  <a:schemeClr val="tx1"/>
+                </a:solidFill>
+                <a:latin typeface="+mn-lt"/>
+                <a:ea typeface="+mn-ea"/>
+                <a:cs typeface="+mn-cs"/>
+              </a:defRPr>
+            </a:lvl6pPr>
+            <a:lvl7pPr marL="2971800" indent="-228600" algn="l" defTabSz="914400" rtl="0" eaLnBrk="1" latinLnBrk="0" hangingPunct="1">
+              <a:lnSpc>
+                <a:spcPct val="90000"/>
+              </a:lnSpc>
+              <a:spcBef>
+                <a:spcPts val="500"/>
+              </a:spcBef>
+              <a:buFont typeface="Arial" panose="020B0604020202020204" pitchFamily="34" charset="0"/>
+              <a:buChar char="•"/>
+              <a:defRPr sz="1600" kern="1200">
+                <a:solidFill>
+                  <a:schemeClr val="tx1"/>
+                </a:solidFill>
+                <a:latin typeface="+mn-lt"/>
+                <a:ea typeface="+mn-ea"/>
+                <a:cs typeface="+mn-cs"/>
+              </a:defRPr>
+            </a:lvl7pPr>
+            <a:lvl8pPr marL="3429000" indent="-228600" algn="l" defTabSz="914400" rtl="0" eaLnBrk="1" latinLnBrk="0" hangingPunct="1">
+              <a:lnSpc>
+                <a:spcPct val="90000"/>
+              </a:lnSpc>
+              <a:spcBef>
+                <a:spcPts val="500"/>
+              </a:spcBef>
+              <a:buFont typeface="Arial" panose="020B0604020202020204" pitchFamily="34" charset="0"/>
+              <a:buChar char="•"/>
+              <a:defRPr sz="1600" kern="1200">
+                <a:solidFill>
+                  <a:schemeClr val="tx1"/>
+                </a:solidFill>
+                <a:latin typeface="+mn-lt"/>
+                <a:ea typeface="+mn-ea"/>
+                <a:cs typeface="+mn-cs"/>
+              </a:defRPr>
+            </a:lvl8pPr>
+            <a:lvl9pPr marL="3886200" indent="-228600" algn="l" defTabSz="914400" rtl="0" eaLnBrk="1" latinLnBrk="0" hangingPunct="1">
+              <a:lnSpc>
+                <a:spcPct val="90000"/>
+              </a:lnSpc>
+              <a:spcBef>
+                <a:spcPts val="500"/>
+              </a:spcBef>
+              <a:buFont typeface="Arial" panose="020B0604020202020204" pitchFamily="34" charset="0"/>
+              <a:buChar char="•"/>
+              <a:defRPr sz="1600" kern="1200">
+                <a:solidFill>
+                  <a:schemeClr val="tx1"/>
+                </a:solidFill>
+                <a:latin typeface="+mn-lt"/>
+                <a:ea typeface="+mn-ea"/>
+                <a:cs typeface="+mn-cs"/>
+              </a:defRPr>
+            </a:lvl9pPr>
+          </a:lstStyle>
+          <a:p>
+            <a:r>
+              <a:rPr lang="en-US" dirty="0"/>
+              <a:t>Created algorithm in Java</a:t>
+            </a:r>
+          </a:p>
+          <a:p>
+            <a:endParaRPr lang="en-US" dirty="0"/>
+          </a:p>
+          <a:p>
+            <a:r>
+              <a:rPr lang="en-US" dirty="0"/>
+              <a:t>Created game application using JavaFX</a:t>
+            </a:r>
+          </a:p>
+          <a:p>
+            <a:endParaRPr lang="en-US" dirty="0"/>
+          </a:p>
+          <a:p>
+            <a:pPr marL="0" indent="0">
+              <a:buFont typeface="Arial" panose="020B0604020202020204" pitchFamily="34" charset="0"/>
+              <a:buNone/>
+            </a:pPr>
             <a:endParaRPr lang="en-US" dirty="0"/>
           </a:p>
         </p:txBody>
@@ -6551,10 +6791,39 @@
         </p:nvSpPr>
         <p:spPr/>
         <p:txBody>
-          <a:bodyPr/>
-          <a:lstStyle/>
-          <a:p>
-            <a:endParaRPr lang="en-US"/>
+          <a:bodyPr>
+            <a:noAutofit/>
+          </a:bodyPr>
+          <a:lstStyle/>
+          <a:p>
+            <a:r>
+              <a:rPr lang="en-US" sz="2600" dirty="0"/>
+              <a:t>Because of the massive number of possibilities, brute force is impossible</a:t>
+            </a:r>
+          </a:p>
+          <a:p>
+            <a:endParaRPr lang="en-US" sz="2600" dirty="0"/>
+          </a:p>
+          <a:p>
+            <a:endParaRPr lang="en-US" sz="2600" dirty="0"/>
+          </a:p>
+          <a:p>
+            <a:r>
+              <a:rPr lang="en-US" sz="2600" dirty="0"/>
+              <a:t>Most common solution is minimax, which is not the best because of the lack of any simple heuristic function</a:t>
+            </a:r>
+          </a:p>
+          <a:p>
+            <a:endParaRPr lang="en-US" sz="2600" dirty="0"/>
+          </a:p>
+          <a:p>
+            <a:endParaRPr lang="en-US" sz="2600" dirty="0"/>
+          </a:p>
+          <a:p>
+            <a:r>
+              <a:rPr lang="en-US" sz="2600" dirty="0"/>
+              <a:t>Can be difficult to quantify positional advantage</a:t>
+            </a:r>
           </a:p>
         </p:txBody>
       </p:sp>
